--- a/docs/virtualization/theory/memory/memory.pptx
+++ b/docs/virtualization/theory/memory/memory.pptx
@@ -5,20 +5,22 @@
     <p:sldMasterId id="2147483648" r:id="rId1"/>
   </p:sldMasterIdLst>
   <p:notesMasterIdLst>
-    <p:notesMasterId r:id="rId6"/>
+    <p:notesMasterId r:id="rId7"/>
   </p:notesMasterIdLst>
   <p:handoutMasterIdLst>
-    <p:handoutMasterId r:id="rId12"/>
+    <p:handoutMasterId r:id="rId14"/>
   </p:handoutMasterIdLst>
   <p:sldIdLst>
     <p:sldId id="256" r:id="rId3"/>
-    <p:sldId id="257" r:id="rId4"/>
-    <p:sldId id="258" r:id="rId5"/>
-    <p:sldId id="259" r:id="rId7"/>
-    <p:sldId id="260" r:id="rId8"/>
+    <p:sldId id="265" r:id="rId4"/>
+    <p:sldId id="257" r:id="rId5"/>
+    <p:sldId id="258" r:id="rId6"/>
+    <p:sldId id="259" r:id="rId8"/>
     <p:sldId id="261" r:id="rId9"/>
-    <p:sldId id="262" r:id="rId10"/>
-    <p:sldId id="263" r:id="rId11"/>
+    <p:sldId id="260" r:id="rId10"/>
+    <p:sldId id="264" r:id="rId11"/>
+    <p:sldId id="262" r:id="rId12"/>
+    <p:sldId id="263" r:id="rId13"/>
   </p:sldIdLst>
   <p:sldSz cx="12192000" cy="6858000"/>
   <p:notesSz cx="7103745" cy="10234295"/>
@@ -3956,7 +3958,80 @@
 </p:sld>
 </file>
 
+<file path=ppt/slides/slide10.xml><?xml version="1.0" encoding="utf-8"?>
+<p:sld xmlns:a="http://schemas.openxmlformats.org/drawingml/2006/main" xmlns:r="http://schemas.openxmlformats.org/officeDocument/2006/relationships" xmlns:p="http://schemas.openxmlformats.org/presentationml/2006/main">
+  <p:cSld>
+    <p:spTree>
+      <p:nvGrpSpPr>
+        <p:cNvPr id="1" name=""/>
+        <p:cNvGrpSpPr/>
+        <p:nvPr/>
+      </p:nvGrpSpPr>
+      <p:grpSpPr/>
+    </p:spTree>
+  </p:cSld>
+  <p:clrMapOvr>
+    <a:masterClrMapping/>
+  </p:clrMapOvr>
+</p:sld>
+</file>
+
 <file path=ppt/slides/slide2.xml><?xml version="1.0" encoding="utf-8"?>
+<p:sld xmlns:a="http://schemas.openxmlformats.org/drawingml/2006/main" xmlns:r="http://schemas.openxmlformats.org/officeDocument/2006/relationships" xmlns:p="http://schemas.openxmlformats.org/presentationml/2006/main">
+  <p:cSld>
+    <p:spTree>
+      <p:nvGrpSpPr>
+        <p:cNvPr id="1" name=""/>
+        <p:cNvGrpSpPr/>
+        <p:nvPr/>
+      </p:nvGrpSpPr>
+      <p:grpSpPr/>
+      <p:sp>
+        <p:nvSpPr>
+          <p:cNvPr id="3" name="文本框 2"/>
+          <p:cNvSpPr txBox="true"/>
+          <p:nvPr/>
+        </p:nvSpPr>
+        <p:spPr>
+          <a:xfrm>
+            <a:off x="3182620" y="3525520"/>
+            <a:ext cx="1713230" cy="460375"/>
+          </a:xfrm>
+          <a:prstGeom prst="rect">
+            <a:avLst/>
+          </a:prstGeom>
+          <a:noFill/>
+        </p:spPr>
+        <p:txBody>
+          <a:bodyPr wrap="none" rtlCol="0">
+            <a:spAutoFit/>
+          </a:bodyPr>
+          <a:p>
+            <a:r>
+              <a:rPr lang="zh-CN" altLang="" sz="2400" b="1">
+                <a:solidFill>
+                  <a:srgbClr val="2C3E50"/>
+                </a:solidFill>
+              </a:rPr>
+              <a:t>完全虚拟化</a:t>
+            </a:r>
+            <a:endParaRPr lang="zh-CN" altLang="" sz="2400" b="1">
+              <a:solidFill>
+                <a:srgbClr val="2C3E50"/>
+              </a:solidFill>
+            </a:endParaRPr>
+          </a:p>
+        </p:txBody>
+      </p:sp>
+    </p:spTree>
+  </p:cSld>
+  <p:clrMapOvr>
+    <a:masterClrMapping/>
+  </p:clrMapOvr>
+</p:sld>
+</file>
+
+<file path=ppt/slides/slide3.xml><?xml version="1.0" encoding="utf-8"?>
 <p:sld xmlns:a="http://schemas.openxmlformats.org/drawingml/2006/main" xmlns:r="http://schemas.openxmlformats.org/officeDocument/2006/relationships" xmlns:p="http://schemas.openxmlformats.org/presentationml/2006/main">
   <p:cSld>
     <p:spTree>
@@ -4799,7 +4874,7 @@
 </p:sld>
 </file>
 
-<file path=ppt/slides/slide3.xml><?xml version="1.0" encoding="utf-8"?>
+<file path=ppt/slides/slide4.xml><?xml version="1.0" encoding="utf-8"?>
 <p:sld xmlns:a="http://schemas.openxmlformats.org/drawingml/2006/main" xmlns:r="http://schemas.openxmlformats.org/officeDocument/2006/relationships" xmlns:p="http://schemas.openxmlformats.org/presentationml/2006/main">
   <p:cSld>
     <p:spTree>
@@ -7591,7 +7666,7 @@
 </p:sld>
 </file>
 
-<file path=ppt/slides/slide4.xml><?xml version="1.0" encoding="utf-8"?>
+<file path=ppt/slides/slide5.xml><?xml version="1.0" encoding="utf-8"?>
 <p:sld xmlns:a="http://schemas.openxmlformats.org/drawingml/2006/main" xmlns:r="http://schemas.openxmlformats.org/officeDocument/2006/relationships" xmlns:p="http://schemas.openxmlformats.org/presentationml/2006/main">
   <p:cSld>
     <p:spTree>
@@ -8685,7 +8760,62 @@
 </p:sld>
 </file>
 
-<file path=ppt/slides/slide5.xml><?xml version="1.0" encoding="utf-8"?>
+<file path=ppt/slides/slide6.xml><?xml version="1.0" encoding="utf-8"?>
+<p:sld xmlns:a="http://schemas.openxmlformats.org/drawingml/2006/main" xmlns:r="http://schemas.openxmlformats.org/officeDocument/2006/relationships" xmlns:p="http://schemas.openxmlformats.org/presentationml/2006/main">
+  <p:cSld>
+    <p:spTree>
+      <p:nvGrpSpPr>
+        <p:cNvPr id="1" name=""/>
+        <p:cNvGrpSpPr/>
+        <p:nvPr/>
+      </p:nvGrpSpPr>
+      <p:grpSpPr/>
+      <p:sp>
+        <p:nvSpPr>
+          <p:cNvPr id="2" name="文本框 1"/>
+          <p:cNvSpPr txBox="true"/>
+          <p:nvPr/>
+        </p:nvSpPr>
+        <p:spPr>
+          <a:xfrm>
+            <a:off x="3561715" y="3131185"/>
+            <a:ext cx="875030" cy="521970"/>
+          </a:xfrm>
+          <a:prstGeom prst="rect">
+            <a:avLst/>
+          </a:prstGeom>
+          <a:noFill/>
+        </p:spPr>
+        <p:txBody>
+          <a:bodyPr wrap="none" rtlCol="0">
+            <a:spAutoFit/>
+          </a:bodyPr>
+          <a:p>
+            <a:r>
+              <a:rPr lang="" altLang="zh-CN" sz="2800" b="1">
+                <a:solidFill>
+                  <a:srgbClr val="2C3E50"/>
+                </a:solidFill>
+              </a:rPr>
+              <a:t>EPT</a:t>
+            </a:r>
+            <a:endParaRPr lang="" altLang="zh-CN" sz="2800" b="1">
+              <a:solidFill>
+                <a:srgbClr val="2C3E50"/>
+              </a:solidFill>
+            </a:endParaRPr>
+          </a:p>
+        </p:txBody>
+      </p:sp>
+    </p:spTree>
+  </p:cSld>
+  <p:clrMapOvr>
+    <a:masterClrMapping/>
+  </p:clrMapOvr>
+</p:sld>
+</file>
+
+<file path=ppt/slides/slide7.xml><?xml version="1.0" encoding="utf-8"?>
 <p:sld xmlns:a="http://schemas.openxmlformats.org/drawingml/2006/main" xmlns:r="http://schemas.openxmlformats.org/officeDocument/2006/relationships" xmlns:p="http://schemas.openxmlformats.org/presentationml/2006/main">
   <p:cSld>
     <p:spTree>
@@ -10864,7 +10994,7 @@
 </p:sld>
 </file>
 
-<file path=ppt/slides/slide6.xml><?xml version="1.0" encoding="utf-8"?>
+<file path=ppt/slides/slide8.xml><?xml version="1.0" encoding="utf-8"?>
 <p:sld xmlns:a="http://schemas.openxmlformats.org/drawingml/2006/main" xmlns:r="http://schemas.openxmlformats.org/officeDocument/2006/relationships" xmlns:p="http://schemas.openxmlformats.org/presentationml/2006/main">
   <p:cSld>
     <p:spTree>
@@ -10882,25 +11012,7 @@
 </p:sld>
 </file>
 
-<file path=ppt/slides/slide7.xml><?xml version="1.0" encoding="utf-8"?>
-<p:sld xmlns:a="http://schemas.openxmlformats.org/drawingml/2006/main" xmlns:r="http://schemas.openxmlformats.org/officeDocument/2006/relationships" xmlns:p="http://schemas.openxmlformats.org/presentationml/2006/main">
-  <p:cSld>
-    <p:spTree>
-      <p:nvGrpSpPr>
-        <p:cNvPr id="1" name=""/>
-        <p:cNvGrpSpPr/>
-        <p:nvPr/>
-      </p:nvGrpSpPr>
-      <p:grpSpPr/>
-    </p:spTree>
-  </p:cSld>
-  <p:clrMapOvr>
-    <a:masterClrMapping/>
-  </p:clrMapOvr>
-</p:sld>
-</file>
-
-<file path=ppt/slides/slide8.xml><?xml version="1.0" encoding="utf-8"?>
+<file path=ppt/slides/slide9.xml><?xml version="1.0" encoding="utf-8"?>
 <p:sld xmlns:a="http://schemas.openxmlformats.org/drawingml/2006/main" xmlns:r="http://schemas.openxmlformats.org/officeDocument/2006/relationships" xmlns:p="http://schemas.openxmlformats.org/presentationml/2006/main">
   <p:cSld>
     <p:spTree>

--- a/docs/virtualization/theory/memory/memory.pptx
+++ b/docs/virtualization/theory/memory/memory.pptx
@@ -4008,14 +4008,14 @@
           </a:bodyPr>
           <a:p>
             <a:r>
-              <a:rPr lang="zh-CN" altLang="" sz="2400" b="1">
+              <a:rPr lang="zh-CN" altLang="en-US" sz="2400" b="1">
                 <a:solidFill>
                   <a:srgbClr val="2C3E50"/>
                 </a:solidFill>
               </a:rPr>
               <a:t>完全虚拟化</a:t>
             </a:r>
-            <a:endParaRPr lang="zh-CN" altLang="" sz="2400" b="1">
+            <a:endParaRPr lang="zh-CN" altLang="en-US" sz="2400" b="1">
               <a:solidFill>
                 <a:srgbClr val="2C3E50"/>
               </a:solidFill>
@@ -8792,14 +8792,14 @@
           </a:bodyPr>
           <a:p>
             <a:r>
-              <a:rPr lang="" altLang="zh-CN" sz="2800" b="1">
+              <a:rPr lang="en-US" altLang="zh-CN" sz="2800" b="1">
                 <a:solidFill>
                   <a:srgbClr val="2C3E50"/>
                 </a:solidFill>
               </a:rPr>
               <a:t>EPT</a:t>
             </a:r>
-            <a:endParaRPr lang="" altLang="zh-CN" sz="2800" b="1">
+            <a:endParaRPr lang="en-US" altLang="zh-CN" sz="2800" b="1">
               <a:solidFill>
                 <a:srgbClr val="2C3E50"/>
               </a:solidFill>
